--- a/System Design/kafka_system.pptx
+++ b/System Design/kafka_system.pptx
@@ -10,6 +10,8 @@
     <p:sldId id="259" r:id="rId4"/>
     <p:sldId id="260" r:id="rId5"/>
     <p:sldId id="257" r:id="rId6"/>
+    <p:sldId id="261" r:id="rId7"/>
+    <p:sldId id="262" r:id="rId8"/>
   </p:sldIdLst>
   <p:sldSz cx="12192000" cy="6858000"/>
   <p:notesSz cx="6858000" cy="9144000"/>
@@ -108,6 +110,11 @@
       </a:defRPr>
     </a:lvl9pPr>
   </p:defaultTextStyle>
+  <p:extLst>
+    <p:ext uri="{EFAFB233-063F-42B5-8137-9DF3F51BA10A}">
+      <p15:sldGuideLst xmlns:p15="http://schemas.microsoft.com/office/powerpoint/2012/main"/>
+    </p:ext>
+  </p:extLst>
 </p:presentation>
 </file>
 
@@ -3971,6 +3978,60 @@
           <a:bodyPr/>
           <a:lstStyle/>
           <a:p>
+            <a:pPr marL="457200" indent="-457200">
+              <a:buFont typeface="+mj-lt"/>
+              <a:buAutoNum type="arabicPeriod"/>
+            </a:pPr>
+            <a:r>
+              <a:rPr lang="en-SG" dirty="0"/>
+              <a:t>Apache Kafka Core APIs</a:t>
+            </a:r>
+          </a:p>
+          <a:p>
+            <a:pPr marL="457200" indent="-457200">
+              <a:buFont typeface="+mj-lt"/>
+              <a:buAutoNum type="arabicPeriod"/>
+            </a:pPr>
+            <a:r>
+              <a:rPr lang="en-SG" dirty="0"/>
+              <a:t>Main Parts of Apache Kafka System</a:t>
+            </a:r>
+          </a:p>
+          <a:p>
+            <a:pPr marL="457200" indent="-457200">
+              <a:buFont typeface="+mj-lt"/>
+              <a:buAutoNum type="arabicPeriod"/>
+            </a:pPr>
+            <a:r>
+              <a:rPr lang="en-SG" dirty="0"/>
+              <a:t>System Overview</a:t>
+            </a:r>
+          </a:p>
+          <a:p>
+            <a:pPr marL="457200" indent="-457200">
+              <a:buFont typeface="+mj-lt"/>
+              <a:buAutoNum type="arabicPeriod"/>
+            </a:pPr>
+            <a:r>
+              <a:rPr lang="en-SG" dirty="0"/>
+              <a:t>Topic and Partition</a:t>
+            </a:r>
+          </a:p>
+          <a:p>
+            <a:pPr marL="457200" indent="-457200">
+              <a:buFont typeface="+mj-lt"/>
+              <a:buAutoNum type="arabicPeriod"/>
+            </a:pPr>
+            <a:r>
+              <a:rPr lang="en-SG" dirty="0"/>
+              <a:t>Topic Replication </a:t>
+            </a:r>
+          </a:p>
+          <a:p>
+            <a:pPr marL="457200" indent="-457200">
+              <a:buFont typeface="+mj-lt"/>
+              <a:buAutoNum type="arabicPeriod"/>
+            </a:pPr>
             <a:endParaRPr lang="en-SG" dirty="0"/>
           </a:p>
         </p:txBody>
@@ -4349,8 +4410,8 @@
         </p:nvSpPr>
         <p:spPr>
           <a:xfrm>
-            <a:off x="4086013" y="2358807"/>
-            <a:ext cx="2426013" cy="2547394"/>
+            <a:off x="4086013" y="2304336"/>
+            <a:ext cx="2594539" cy="2601865"/>
           </a:xfrm>
           <a:prstGeom prst="rect">
             <a:avLst/>
@@ -4405,7 +4466,7 @@
         </p:blipFill>
         <p:spPr>
           <a:xfrm>
-            <a:off x="6496181" y="5254025"/>
+            <a:off x="6664857" y="5254025"/>
             <a:ext cx="960464" cy="694013"/>
           </a:xfrm>
           <a:prstGeom prst="rect">
@@ -4516,7 +4577,7 @@
         <p:spPr>
           <a:xfrm>
             <a:off x="2458056" y="3049474"/>
-            <a:ext cx="1061202" cy="1184753"/>
+            <a:ext cx="997420" cy="1113545"/>
           </a:xfrm>
           <a:prstGeom prst="rect">
             <a:avLst/>
@@ -4808,9 +4869,9 @@
           <p:nvPr/>
         </p:nvCxnSpPr>
         <p:spPr>
-          <a:xfrm>
-            <a:off x="1376039" y="3639845"/>
-            <a:ext cx="1082017" cy="2006"/>
+          <a:xfrm flipV="1">
+            <a:off x="1376039" y="3606247"/>
+            <a:ext cx="1082017" cy="33598"/>
           </a:xfrm>
           <a:prstGeom prst="straightConnector1">
             <a:avLst/>
@@ -5012,8 +5073,8 @@
         </p:nvCxnSpPr>
         <p:spPr>
           <a:xfrm flipV="1">
-            <a:off x="3519258" y="3632504"/>
-            <a:ext cx="566755" cy="9347"/>
+            <a:off x="3455476" y="3605269"/>
+            <a:ext cx="630537" cy="978"/>
           </a:xfrm>
           <a:prstGeom prst="straightConnector1">
             <a:avLst/>
@@ -5220,8 +5281,8 @@
         </p:blipFill>
         <p:spPr>
           <a:xfrm>
-            <a:off x="4480179" y="5088065"/>
-            <a:ext cx="855301" cy="570529"/>
+            <a:off x="2458056" y="4311723"/>
+            <a:ext cx="819403" cy="546583"/>
           </a:xfrm>
           <a:prstGeom prst="rect">
             <a:avLst/>
@@ -5242,7 +5303,7 @@
         </p:nvSpPr>
         <p:spPr>
           <a:xfrm>
-            <a:off x="4233404" y="1552260"/>
+            <a:off x="4313306" y="1552260"/>
             <a:ext cx="2140758" cy="307777"/>
           </a:xfrm>
           <a:prstGeom prst="rect">
@@ -5287,8 +5348,8 @@
         </p:nvCxnSpPr>
         <p:spPr>
           <a:xfrm flipH="1">
-            <a:off x="5299020" y="1860037"/>
-            <a:ext cx="4763" cy="498770"/>
+            <a:off x="5383283" y="1860037"/>
+            <a:ext cx="402" cy="444299"/>
           </a:xfrm>
           <a:prstGeom prst="straightConnector1">
             <a:avLst/>
@@ -5405,8 +5466,8 @@
         </p:nvSpPr>
         <p:spPr>
           <a:xfrm>
-            <a:off x="3328309" y="5278511"/>
-            <a:ext cx="1480909" cy="461665"/>
+            <a:off x="2387687" y="4813149"/>
+            <a:ext cx="1674913" cy="276999"/>
           </a:xfrm>
           <a:prstGeom prst="rect">
             <a:avLst/>
@@ -5421,7 +5482,7 @@
           <a:p>
             <a:r>
               <a:rPr lang="en-SG" sz="1200" dirty="0"/>
-              <a:t>Batch job runs by Spark</a:t>
+              <a:t>Runs batch processing</a:t>
             </a:r>
           </a:p>
         </p:txBody>
@@ -5487,7 +5548,7 @@
         </p:nvSpPr>
         <p:spPr>
           <a:xfrm>
-            <a:off x="6761379" y="4285089"/>
+            <a:off x="6930055" y="4285089"/>
             <a:ext cx="457642" cy="514693"/>
           </a:xfrm>
           <a:prstGeom prst="can">
@@ -5537,7 +5598,7 @@
         </p:nvCxnSpPr>
         <p:spPr>
           <a:xfrm flipH="1">
-            <a:off x="6976413" y="4799782"/>
+            <a:off x="7145089" y="4799782"/>
             <a:ext cx="13787" cy="454243"/>
           </a:xfrm>
           <a:prstGeom prst="straightConnector1">
@@ -5577,7 +5638,7 @@
         </p:nvSpPr>
         <p:spPr>
           <a:xfrm>
-            <a:off x="6990200" y="5107003"/>
+            <a:off x="7158876" y="5107003"/>
             <a:ext cx="1480909" cy="276999"/>
           </a:xfrm>
           <a:prstGeom prst="rect">
@@ -5700,6 +5761,1676 @@
     <p:extLst>
       <p:ext uri="{BB962C8B-B14F-4D97-AF65-F5344CB8AC3E}">
         <p14:creationId xmlns:p14="http://schemas.microsoft.com/office/powerpoint/2010/main" val="504720046"/>
+      </p:ext>
+    </p:extLst>
+  </p:cSld>
+  <p:clrMapOvr>
+    <a:masterClrMapping/>
+  </p:clrMapOvr>
+</p:sld>
+</file>
+
+<file path=ppt/slides/slide6.xml><?xml version="1.0" encoding="utf-8"?>
+<p:sld xmlns:a="http://schemas.openxmlformats.org/drawingml/2006/main" xmlns:r="http://schemas.openxmlformats.org/officeDocument/2006/relationships" xmlns:p="http://schemas.openxmlformats.org/presentationml/2006/main">
+  <p:cSld>
+    <p:spTree>
+      <p:nvGrpSpPr>
+        <p:cNvPr id="1" name=""/>
+        <p:cNvGrpSpPr/>
+        <p:nvPr/>
+      </p:nvGrpSpPr>
+      <p:grpSpPr>
+        <a:xfrm>
+          <a:off x="0" y="0"/>
+          <a:ext cx="0" cy="0"/>
+          <a:chOff x="0" y="0"/>
+          <a:chExt cx="0" cy="0"/>
+        </a:xfrm>
+      </p:grpSpPr>
+      <p:sp>
+        <p:nvSpPr>
+          <p:cNvPr id="2" name="Title 1">
+            <a:extLst>
+              <a:ext uri="{FF2B5EF4-FFF2-40B4-BE49-F238E27FC236}">
+                <a16:creationId xmlns:a16="http://schemas.microsoft.com/office/drawing/2014/main" id="{C547F306-5E78-4DFB-8A98-BCABFBAF57B1}"/>
+              </a:ext>
+            </a:extLst>
+          </p:cNvPr>
+          <p:cNvSpPr>
+            <a:spLocks noGrp="1"/>
+          </p:cNvSpPr>
+          <p:nvPr>
+            <p:ph type="title"/>
+          </p:nvPr>
+        </p:nvSpPr>
+        <p:spPr/>
+        <p:txBody>
+          <a:bodyPr/>
+          <a:lstStyle/>
+          <a:p>
+            <a:r>
+              <a:rPr lang="en-SG" dirty="0"/>
+              <a:t>Topic and Partition</a:t>
+            </a:r>
+          </a:p>
+        </p:txBody>
+      </p:sp>
+      <p:sp>
+        <p:nvSpPr>
+          <p:cNvPr id="3" name="Content Placeholder 2">
+            <a:extLst>
+              <a:ext uri="{FF2B5EF4-FFF2-40B4-BE49-F238E27FC236}">
+                <a16:creationId xmlns:a16="http://schemas.microsoft.com/office/drawing/2014/main" id="{1A529052-ADD7-47E9-B614-7EF0597ABFE8}"/>
+              </a:ext>
+            </a:extLst>
+          </p:cNvPr>
+          <p:cNvSpPr>
+            <a:spLocks noGrp="1"/>
+          </p:cNvSpPr>
+          <p:nvPr>
+            <p:ph idx="1"/>
+          </p:nvPr>
+        </p:nvSpPr>
+        <p:spPr>
+          <a:xfrm>
+            <a:off x="1097280" y="1845734"/>
+            <a:ext cx="10058400" cy="941216"/>
+          </a:xfrm>
+        </p:spPr>
+        <p:txBody>
+          <a:bodyPr/>
+          <a:lstStyle/>
+          <a:p>
+            <a:r>
+              <a:rPr lang="en-SG" dirty="0"/>
+              <a:t>Example Topic-A has 3 partitions.</a:t>
+            </a:r>
+          </a:p>
+          <a:p>
+            <a:r>
+              <a:rPr lang="en-SG" dirty="0"/>
+              <a:t>Example Topic-B has 2 partitions.</a:t>
+            </a:r>
+          </a:p>
+          <a:p>
+            <a:endParaRPr lang="en-SG" dirty="0"/>
+          </a:p>
+        </p:txBody>
+      </p:sp>
+      <p:sp>
+        <p:nvSpPr>
+          <p:cNvPr id="4" name="Rectangle 3">
+            <a:extLst>
+              <a:ext uri="{FF2B5EF4-FFF2-40B4-BE49-F238E27FC236}">
+                <a16:creationId xmlns:a16="http://schemas.microsoft.com/office/drawing/2014/main" id="{E3A42AE2-CF17-49E7-B9F2-475136B6B7B9}"/>
+              </a:ext>
+            </a:extLst>
+          </p:cNvPr>
+          <p:cNvSpPr/>
+          <p:nvPr/>
+        </p:nvSpPr>
+        <p:spPr>
+          <a:xfrm>
+            <a:off x="1537855" y="2923309"/>
+            <a:ext cx="1925781" cy="2701636"/>
+          </a:xfrm>
+          <a:prstGeom prst="rect">
+            <a:avLst/>
+          </a:prstGeom>
+        </p:spPr>
+        <p:style>
+          <a:lnRef idx="2">
+            <a:schemeClr val="accent1">
+              <a:shade val="50000"/>
+            </a:schemeClr>
+          </a:lnRef>
+          <a:fillRef idx="1">
+            <a:schemeClr val="accent1"/>
+          </a:fillRef>
+          <a:effectRef idx="0">
+            <a:schemeClr val="accent1"/>
+          </a:effectRef>
+          <a:fontRef idx="minor">
+            <a:schemeClr val="lt1"/>
+          </a:fontRef>
+        </p:style>
+        <p:txBody>
+          <a:bodyPr rtlCol="0" anchor="ctr"/>
+          <a:lstStyle/>
+          <a:p>
+            <a:pPr algn="ctr"/>
+            <a:endParaRPr lang="en-SG"/>
+          </a:p>
+        </p:txBody>
+      </p:sp>
+      <p:sp>
+        <p:nvSpPr>
+          <p:cNvPr id="5" name="TextBox 4">
+            <a:extLst>
+              <a:ext uri="{FF2B5EF4-FFF2-40B4-BE49-F238E27FC236}">
+                <a16:creationId xmlns:a16="http://schemas.microsoft.com/office/drawing/2014/main" id="{36B0F8D8-238D-41C8-8226-83FC33A25767}"/>
+              </a:ext>
+            </a:extLst>
+          </p:cNvPr>
+          <p:cNvSpPr txBox="1"/>
+          <p:nvPr/>
+        </p:nvSpPr>
+        <p:spPr>
+          <a:xfrm>
+            <a:off x="1759527" y="2923309"/>
+            <a:ext cx="1537855" cy="369332"/>
+          </a:xfrm>
+          <a:prstGeom prst="rect">
+            <a:avLst/>
+          </a:prstGeom>
+          <a:noFill/>
+        </p:spPr>
+        <p:txBody>
+          <a:bodyPr wrap="square" rtlCol="0">
+            <a:spAutoFit/>
+          </a:bodyPr>
+          <a:lstStyle/>
+          <a:p>
+            <a:pPr algn="ctr"/>
+            <a:r>
+              <a:rPr lang="en-SG" dirty="0"/>
+              <a:t>Broker 101</a:t>
+            </a:r>
+          </a:p>
+        </p:txBody>
+      </p:sp>
+      <p:sp>
+        <p:nvSpPr>
+          <p:cNvPr id="6" name="Rectangle: Rounded Corners 5">
+            <a:extLst>
+              <a:ext uri="{FF2B5EF4-FFF2-40B4-BE49-F238E27FC236}">
+                <a16:creationId xmlns:a16="http://schemas.microsoft.com/office/drawing/2014/main" id="{81D65567-E3CB-472D-8218-CE7AC56DEB46}"/>
+              </a:ext>
+            </a:extLst>
+          </p:cNvPr>
+          <p:cNvSpPr/>
+          <p:nvPr/>
+        </p:nvSpPr>
+        <p:spPr>
+          <a:xfrm>
+            <a:off x="1759527" y="3292641"/>
+            <a:ext cx="1537855" cy="711323"/>
+          </a:xfrm>
+          <a:prstGeom prst="roundRect">
+            <a:avLst/>
+          </a:prstGeom>
+          <a:solidFill>
+            <a:schemeClr val="accent1">
+              <a:lumMod val="40000"/>
+              <a:lumOff val="60000"/>
+            </a:schemeClr>
+          </a:solidFill>
+        </p:spPr>
+        <p:style>
+          <a:lnRef idx="2">
+            <a:schemeClr val="accent1">
+              <a:shade val="50000"/>
+            </a:schemeClr>
+          </a:lnRef>
+          <a:fillRef idx="1">
+            <a:schemeClr val="accent1"/>
+          </a:fillRef>
+          <a:effectRef idx="0">
+            <a:schemeClr val="accent1"/>
+          </a:effectRef>
+          <a:fontRef idx="minor">
+            <a:schemeClr val="lt1"/>
+          </a:fontRef>
+        </p:style>
+        <p:txBody>
+          <a:bodyPr rtlCol="0" anchor="ctr"/>
+          <a:lstStyle/>
+          <a:p>
+            <a:pPr algn="ctr"/>
+            <a:endParaRPr lang="en-SG"/>
+          </a:p>
+        </p:txBody>
+      </p:sp>
+      <p:sp>
+        <p:nvSpPr>
+          <p:cNvPr id="7" name="TextBox 6">
+            <a:extLst>
+              <a:ext uri="{FF2B5EF4-FFF2-40B4-BE49-F238E27FC236}">
+                <a16:creationId xmlns:a16="http://schemas.microsoft.com/office/drawing/2014/main" id="{1E6D4111-6DE6-4284-BCEB-2A9BEC428DD5}"/>
+              </a:ext>
+            </a:extLst>
+          </p:cNvPr>
+          <p:cNvSpPr txBox="1"/>
+          <p:nvPr/>
+        </p:nvSpPr>
+        <p:spPr>
+          <a:xfrm>
+            <a:off x="1759527" y="3429000"/>
+            <a:ext cx="1537855" cy="584775"/>
+          </a:xfrm>
+          <a:prstGeom prst="rect">
+            <a:avLst/>
+          </a:prstGeom>
+          <a:noFill/>
+        </p:spPr>
+        <p:txBody>
+          <a:bodyPr wrap="square" rtlCol="0">
+            <a:spAutoFit/>
+          </a:bodyPr>
+          <a:lstStyle/>
+          <a:p>
+            <a:pPr algn="ctr"/>
+            <a:r>
+              <a:rPr lang="en-SG" sz="1600" dirty="0"/>
+              <a:t>Topic-A</a:t>
+            </a:r>
+          </a:p>
+          <a:p>
+            <a:pPr algn="ctr"/>
+            <a:r>
+              <a:rPr lang="en-SG" sz="1600" dirty="0"/>
+              <a:t>Partition 0</a:t>
+            </a:r>
+            <a:endParaRPr lang="en-SG" dirty="0"/>
+          </a:p>
+        </p:txBody>
+      </p:sp>
+      <p:sp>
+        <p:nvSpPr>
+          <p:cNvPr id="8" name="Rectangle: Rounded Corners 7">
+            <a:extLst>
+              <a:ext uri="{FF2B5EF4-FFF2-40B4-BE49-F238E27FC236}">
+                <a16:creationId xmlns:a16="http://schemas.microsoft.com/office/drawing/2014/main" id="{F31F5363-3556-4749-A4DF-CD5765E68CD5}"/>
+              </a:ext>
+            </a:extLst>
+          </p:cNvPr>
+          <p:cNvSpPr/>
+          <p:nvPr/>
+        </p:nvSpPr>
+        <p:spPr>
+          <a:xfrm>
+            <a:off x="1759526" y="4463698"/>
+            <a:ext cx="1537855" cy="711323"/>
+          </a:xfrm>
+          <a:prstGeom prst="roundRect">
+            <a:avLst/>
+          </a:prstGeom>
+          <a:solidFill>
+            <a:schemeClr val="accent6">
+              <a:lumMod val="40000"/>
+              <a:lumOff val="60000"/>
+            </a:schemeClr>
+          </a:solidFill>
+        </p:spPr>
+        <p:style>
+          <a:lnRef idx="2">
+            <a:schemeClr val="accent1">
+              <a:shade val="50000"/>
+            </a:schemeClr>
+          </a:lnRef>
+          <a:fillRef idx="1">
+            <a:schemeClr val="accent1"/>
+          </a:fillRef>
+          <a:effectRef idx="0">
+            <a:schemeClr val="accent1"/>
+          </a:effectRef>
+          <a:fontRef idx="minor">
+            <a:schemeClr val="lt1"/>
+          </a:fontRef>
+        </p:style>
+        <p:txBody>
+          <a:bodyPr rtlCol="0" anchor="ctr"/>
+          <a:lstStyle/>
+          <a:p>
+            <a:pPr algn="ctr"/>
+            <a:endParaRPr lang="en-SG"/>
+          </a:p>
+        </p:txBody>
+      </p:sp>
+      <p:sp>
+        <p:nvSpPr>
+          <p:cNvPr id="9" name="TextBox 8">
+            <a:extLst>
+              <a:ext uri="{FF2B5EF4-FFF2-40B4-BE49-F238E27FC236}">
+                <a16:creationId xmlns:a16="http://schemas.microsoft.com/office/drawing/2014/main" id="{857ED817-A4E0-4641-97C2-2B5BD1FFBBBF}"/>
+              </a:ext>
+            </a:extLst>
+          </p:cNvPr>
+          <p:cNvSpPr txBox="1"/>
+          <p:nvPr/>
+        </p:nvSpPr>
+        <p:spPr>
+          <a:xfrm>
+            <a:off x="1759526" y="4616544"/>
+            <a:ext cx="1537855" cy="584775"/>
+          </a:xfrm>
+          <a:prstGeom prst="rect">
+            <a:avLst/>
+          </a:prstGeom>
+          <a:noFill/>
+        </p:spPr>
+        <p:txBody>
+          <a:bodyPr wrap="square" rtlCol="0">
+            <a:spAutoFit/>
+          </a:bodyPr>
+          <a:lstStyle/>
+          <a:p>
+            <a:pPr algn="ctr"/>
+            <a:r>
+              <a:rPr lang="en-SG" sz="1600" dirty="0"/>
+              <a:t>Topic-B</a:t>
+            </a:r>
+          </a:p>
+          <a:p>
+            <a:pPr algn="ctr"/>
+            <a:r>
+              <a:rPr lang="en-SG" sz="1600" dirty="0"/>
+              <a:t>Partition 1</a:t>
+            </a:r>
+            <a:endParaRPr lang="en-SG" dirty="0"/>
+          </a:p>
+        </p:txBody>
+      </p:sp>
+      <p:sp>
+        <p:nvSpPr>
+          <p:cNvPr id="16" name="Rectangle 15">
+            <a:extLst>
+              <a:ext uri="{FF2B5EF4-FFF2-40B4-BE49-F238E27FC236}">
+                <a16:creationId xmlns:a16="http://schemas.microsoft.com/office/drawing/2014/main" id="{1BCBA5A4-E5C4-4F54-BAF5-3CF96C81630B}"/>
+              </a:ext>
+            </a:extLst>
+          </p:cNvPr>
+          <p:cNvSpPr/>
+          <p:nvPr/>
+        </p:nvSpPr>
+        <p:spPr>
+          <a:xfrm>
+            <a:off x="4502731" y="2923304"/>
+            <a:ext cx="1925781" cy="2701636"/>
+          </a:xfrm>
+          <a:prstGeom prst="rect">
+            <a:avLst/>
+          </a:prstGeom>
+        </p:spPr>
+        <p:style>
+          <a:lnRef idx="2">
+            <a:schemeClr val="accent1">
+              <a:shade val="50000"/>
+            </a:schemeClr>
+          </a:lnRef>
+          <a:fillRef idx="1">
+            <a:schemeClr val="accent1"/>
+          </a:fillRef>
+          <a:effectRef idx="0">
+            <a:schemeClr val="accent1"/>
+          </a:effectRef>
+          <a:fontRef idx="minor">
+            <a:schemeClr val="lt1"/>
+          </a:fontRef>
+        </p:style>
+        <p:txBody>
+          <a:bodyPr rtlCol="0" anchor="ctr"/>
+          <a:lstStyle/>
+          <a:p>
+            <a:pPr algn="ctr"/>
+            <a:endParaRPr lang="en-SG"/>
+          </a:p>
+        </p:txBody>
+      </p:sp>
+      <p:sp>
+        <p:nvSpPr>
+          <p:cNvPr id="17" name="TextBox 16">
+            <a:extLst>
+              <a:ext uri="{FF2B5EF4-FFF2-40B4-BE49-F238E27FC236}">
+                <a16:creationId xmlns:a16="http://schemas.microsoft.com/office/drawing/2014/main" id="{8A5E6C33-54D2-4D01-8753-1D39058A888E}"/>
+              </a:ext>
+            </a:extLst>
+          </p:cNvPr>
+          <p:cNvSpPr txBox="1"/>
+          <p:nvPr/>
+        </p:nvSpPr>
+        <p:spPr>
+          <a:xfrm>
+            <a:off x="4724403" y="2923304"/>
+            <a:ext cx="1537855" cy="369332"/>
+          </a:xfrm>
+          <a:prstGeom prst="rect">
+            <a:avLst/>
+          </a:prstGeom>
+          <a:noFill/>
+        </p:spPr>
+        <p:txBody>
+          <a:bodyPr wrap="square" rtlCol="0">
+            <a:spAutoFit/>
+          </a:bodyPr>
+          <a:lstStyle/>
+          <a:p>
+            <a:pPr algn="ctr"/>
+            <a:r>
+              <a:rPr lang="en-SG" dirty="0"/>
+              <a:t>Broker 102</a:t>
+            </a:r>
+          </a:p>
+        </p:txBody>
+      </p:sp>
+      <p:sp>
+        <p:nvSpPr>
+          <p:cNvPr id="18" name="Rectangle: Rounded Corners 17">
+            <a:extLst>
+              <a:ext uri="{FF2B5EF4-FFF2-40B4-BE49-F238E27FC236}">
+                <a16:creationId xmlns:a16="http://schemas.microsoft.com/office/drawing/2014/main" id="{28E04FBE-D7BE-4F21-9581-DFCDE9260FD0}"/>
+              </a:ext>
+            </a:extLst>
+          </p:cNvPr>
+          <p:cNvSpPr/>
+          <p:nvPr/>
+        </p:nvSpPr>
+        <p:spPr>
+          <a:xfrm>
+            <a:off x="4724403" y="3292636"/>
+            <a:ext cx="1537855" cy="711323"/>
+          </a:xfrm>
+          <a:prstGeom prst="roundRect">
+            <a:avLst/>
+          </a:prstGeom>
+          <a:solidFill>
+            <a:schemeClr val="accent1">
+              <a:lumMod val="40000"/>
+              <a:lumOff val="60000"/>
+            </a:schemeClr>
+          </a:solidFill>
+        </p:spPr>
+        <p:style>
+          <a:lnRef idx="2">
+            <a:schemeClr val="accent1">
+              <a:shade val="50000"/>
+            </a:schemeClr>
+          </a:lnRef>
+          <a:fillRef idx="1">
+            <a:schemeClr val="accent1"/>
+          </a:fillRef>
+          <a:effectRef idx="0">
+            <a:schemeClr val="accent1"/>
+          </a:effectRef>
+          <a:fontRef idx="minor">
+            <a:schemeClr val="lt1"/>
+          </a:fontRef>
+        </p:style>
+        <p:txBody>
+          <a:bodyPr rtlCol="0" anchor="ctr"/>
+          <a:lstStyle/>
+          <a:p>
+            <a:pPr algn="ctr"/>
+            <a:endParaRPr lang="en-SG"/>
+          </a:p>
+        </p:txBody>
+      </p:sp>
+      <p:sp>
+        <p:nvSpPr>
+          <p:cNvPr id="19" name="TextBox 18">
+            <a:extLst>
+              <a:ext uri="{FF2B5EF4-FFF2-40B4-BE49-F238E27FC236}">
+                <a16:creationId xmlns:a16="http://schemas.microsoft.com/office/drawing/2014/main" id="{A0933A9F-3D37-436C-84AC-3E1402BD3942}"/>
+              </a:ext>
+            </a:extLst>
+          </p:cNvPr>
+          <p:cNvSpPr txBox="1"/>
+          <p:nvPr/>
+        </p:nvSpPr>
+        <p:spPr>
+          <a:xfrm>
+            <a:off x="4724403" y="3428995"/>
+            <a:ext cx="1537855" cy="584775"/>
+          </a:xfrm>
+          <a:prstGeom prst="rect">
+            <a:avLst/>
+          </a:prstGeom>
+          <a:noFill/>
+        </p:spPr>
+        <p:txBody>
+          <a:bodyPr wrap="square" rtlCol="0">
+            <a:spAutoFit/>
+          </a:bodyPr>
+          <a:lstStyle/>
+          <a:p>
+            <a:pPr algn="ctr"/>
+            <a:r>
+              <a:rPr lang="en-SG" sz="1600" dirty="0"/>
+              <a:t>Topic-A</a:t>
+            </a:r>
+          </a:p>
+          <a:p>
+            <a:pPr algn="ctr"/>
+            <a:r>
+              <a:rPr lang="en-SG" sz="1600" dirty="0"/>
+              <a:t>Partition 1</a:t>
+            </a:r>
+            <a:endParaRPr lang="en-SG" dirty="0"/>
+          </a:p>
+        </p:txBody>
+      </p:sp>
+      <p:sp>
+        <p:nvSpPr>
+          <p:cNvPr id="20" name="Rectangle: Rounded Corners 19">
+            <a:extLst>
+              <a:ext uri="{FF2B5EF4-FFF2-40B4-BE49-F238E27FC236}">
+                <a16:creationId xmlns:a16="http://schemas.microsoft.com/office/drawing/2014/main" id="{9ADB442A-CB22-4FF0-94BC-1C8F29DF0D5E}"/>
+              </a:ext>
+            </a:extLst>
+          </p:cNvPr>
+          <p:cNvSpPr/>
+          <p:nvPr/>
+        </p:nvSpPr>
+        <p:spPr>
+          <a:xfrm>
+            <a:off x="4724402" y="4463693"/>
+            <a:ext cx="1537855" cy="711323"/>
+          </a:xfrm>
+          <a:prstGeom prst="roundRect">
+            <a:avLst/>
+          </a:prstGeom>
+          <a:solidFill>
+            <a:schemeClr val="accent6">
+              <a:lumMod val="40000"/>
+              <a:lumOff val="60000"/>
+            </a:schemeClr>
+          </a:solidFill>
+        </p:spPr>
+        <p:style>
+          <a:lnRef idx="2">
+            <a:schemeClr val="accent1">
+              <a:shade val="50000"/>
+            </a:schemeClr>
+          </a:lnRef>
+          <a:fillRef idx="1">
+            <a:schemeClr val="accent1"/>
+          </a:fillRef>
+          <a:effectRef idx="0">
+            <a:schemeClr val="accent1"/>
+          </a:effectRef>
+          <a:fontRef idx="minor">
+            <a:schemeClr val="lt1"/>
+          </a:fontRef>
+        </p:style>
+        <p:txBody>
+          <a:bodyPr rtlCol="0" anchor="ctr"/>
+          <a:lstStyle/>
+          <a:p>
+            <a:pPr algn="ctr"/>
+            <a:endParaRPr lang="en-SG"/>
+          </a:p>
+        </p:txBody>
+      </p:sp>
+      <p:sp>
+        <p:nvSpPr>
+          <p:cNvPr id="21" name="TextBox 20">
+            <a:extLst>
+              <a:ext uri="{FF2B5EF4-FFF2-40B4-BE49-F238E27FC236}">
+                <a16:creationId xmlns:a16="http://schemas.microsoft.com/office/drawing/2014/main" id="{977E72C2-A2FB-405C-A9B4-C7FB573EF8A1}"/>
+              </a:ext>
+            </a:extLst>
+          </p:cNvPr>
+          <p:cNvSpPr txBox="1"/>
+          <p:nvPr/>
+        </p:nvSpPr>
+        <p:spPr>
+          <a:xfrm>
+            <a:off x="4724402" y="4616539"/>
+            <a:ext cx="1537855" cy="584775"/>
+          </a:xfrm>
+          <a:prstGeom prst="rect">
+            <a:avLst/>
+          </a:prstGeom>
+          <a:noFill/>
+        </p:spPr>
+        <p:txBody>
+          <a:bodyPr wrap="square" rtlCol="0">
+            <a:spAutoFit/>
+          </a:bodyPr>
+          <a:lstStyle/>
+          <a:p>
+            <a:pPr algn="ctr"/>
+            <a:r>
+              <a:rPr lang="en-SG" sz="1600" dirty="0"/>
+              <a:t>Topic-B</a:t>
+            </a:r>
+          </a:p>
+          <a:p>
+            <a:pPr algn="ctr"/>
+            <a:r>
+              <a:rPr lang="en-SG" sz="1600" dirty="0"/>
+              <a:t>Partition 0</a:t>
+            </a:r>
+            <a:endParaRPr lang="en-SG" dirty="0"/>
+          </a:p>
+        </p:txBody>
+      </p:sp>
+      <p:sp>
+        <p:nvSpPr>
+          <p:cNvPr id="22" name="Rectangle 21">
+            <a:extLst>
+              <a:ext uri="{FF2B5EF4-FFF2-40B4-BE49-F238E27FC236}">
+                <a16:creationId xmlns:a16="http://schemas.microsoft.com/office/drawing/2014/main" id="{5BE8C6E9-C8D1-46D3-B213-E24412DCA7B1}"/>
+              </a:ext>
+            </a:extLst>
+          </p:cNvPr>
+          <p:cNvSpPr/>
+          <p:nvPr/>
+        </p:nvSpPr>
+        <p:spPr>
+          <a:xfrm>
+            <a:off x="7523024" y="2923304"/>
+            <a:ext cx="1925781" cy="2701636"/>
+          </a:xfrm>
+          <a:prstGeom prst="rect">
+            <a:avLst/>
+          </a:prstGeom>
+        </p:spPr>
+        <p:style>
+          <a:lnRef idx="2">
+            <a:schemeClr val="accent1">
+              <a:shade val="50000"/>
+            </a:schemeClr>
+          </a:lnRef>
+          <a:fillRef idx="1">
+            <a:schemeClr val="accent1"/>
+          </a:fillRef>
+          <a:effectRef idx="0">
+            <a:schemeClr val="accent1"/>
+          </a:effectRef>
+          <a:fontRef idx="minor">
+            <a:schemeClr val="lt1"/>
+          </a:fontRef>
+        </p:style>
+        <p:txBody>
+          <a:bodyPr rtlCol="0" anchor="ctr"/>
+          <a:lstStyle/>
+          <a:p>
+            <a:pPr algn="ctr"/>
+            <a:endParaRPr lang="en-SG"/>
+          </a:p>
+        </p:txBody>
+      </p:sp>
+      <p:sp>
+        <p:nvSpPr>
+          <p:cNvPr id="23" name="TextBox 22">
+            <a:extLst>
+              <a:ext uri="{FF2B5EF4-FFF2-40B4-BE49-F238E27FC236}">
+                <a16:creationId xmlns:a16="http://schemas.microsoft.com/office/drawing/2014/main" id="{564B2ADF-1EAD-496B-91B8-08791473F957}"/>
+              </a:ext>
+            </a:extLst>
+          </p:cNvPr>
+          <p:cNvSpPr txBox="1"/>
+          <p:nvPr/>
+        </p:nvSpPr>
+        <p:spPr>
+          <a:xfrm>
+            <a:off x="7744696" y="2923304"/>
+            <a:ext cx="1537855" cy="369332"/>
+          </a:xfrm>
+          <a:prstGeom prst="rect">
+            <a:avLst/>
+          </a:prstGeom>
+          <a:noFill/>
+        </p:spPr>
+        <p:txBody>
+          <a:bodyPr wrap="square" rtlCol="0">
+            <a:spAutoFit/>
+          </a:bodyPr>
+          <a:lstStyle/>
+          <a:p>
+            <a:pPr algn="ctr"/>
+            <a:r>
+              <a:rPr lang="en-SG" dirty="0"/>
+              <a:t>Broker 103</a:t>
+            </a:r>
+          </a:p>
+        </p:txBody>
+      </p:sp>
+      <p:sp>
+        <p:nvSpPr>
+          <p:cNvPr id="24" name="Rectangle: Rounded Corners 23">
+            <a:extLst>
+              <a:ext uri="{FF2B5EF4-FFF2-40B4-BE49-F238E27FC236}">
+                <a16:creationId xmlns:a16="http://schemas.microsoft.com/office/drawing/2014/main" id="{38069B6D-CC76-4599-A496-A9885F331753}"/>
+              </a:ext>
+            </a:extLst>
+          </p:cNvPr>
+          <p:cNvSpPr/>
+          <p:nvPr/>
+        </p:nvSpPr>
+        <p:spPr>
+          <a:xfrm>
+            <a:off x="7744696" y="3292636"/>
+            <a:ext cx="1537855" cy="711323"/>
+          </a:xfrm>
+          <a:prstGeom prst="roundRect">
+            <a:avLst/>
+          </a:prstGeom>
+          <a:solidFill>
+            <a:schemeClr val="accent1">
+              <a:lumMod val="40000"/>
+              <a:lumOff val="60000"/>
+            </a:schemeClr>
+          </a:solidFill>
+        </p:spPr>
+        <p:style>
+          <a:lnRef idx="2">
+            <a:schemeClr val="accent1">
+              <a:shade val="50000"/>
+            </a:schemeClr>
+          </a:lnRef>
+          <a:fillRef idx="1">
+            <a:schemeClr val="accent1"/>
+          </a:fillRef>
+          <a:effectRef idx="0">
+            <a:schemeClr val="accent1"/>
+          </a:effectRef>
+          <a:fontRef idx="minor">
+            <a:schemeClr val="lt1"/>
+          </a:fontRef>
+        </p:style>
+        <p:txBody>
+          <a:bodyPr rtlCol="0" anchor="ctr"/>
+          <a:lstStyle/>
+          <a:p>
+            <a:pPr algn="ctr"/>
+            <a:endParaRPr lang="en-SG"/>
+          </a:p>
+        </p:txBody>
+      </p:sp>
+      <p:sp>
+        <p:nvSpPr>
+          <p:cNvPr id="25" name="TextBox 24">
+            <a:extLst>
+              <a:ext uri="{FF2B5EF4-FFF2-40B4-BE49-F238E27FC236}">
+                <a16:creationId xmlns:a16="http://schemas.microsoft.com/office/drawing/2014/main" id="{ED069751-2FFA-47CE-901C-ED920117F07B}"/>
+              </a:ext>
+            </a:extLst>
+          </p:cNvPr>
+          <p:cNvSpPr txBox="1"/>
+          <p:nvPr/>
+        </p:nvSpPr>
+        <p:spPr>
+          <a:xfrm>
+            <a:off x="7744696" y="3428995"/>
+            <a:ext cx="1537855" cy="584775"/>
+          </a:xfrm>
+          <a:prstGeom prst="rect">
+            <a:avLst/>
+          </a:prstGeom>
+          <a:noFill/>
+        </p:spPr>
+        <p:txBody>
+          <a:bodyPr wrap="square" rtlCol="0">
+            <a:spAutoFit/>
+          </a:bodyPr>
+          <a:lstStyle/>
+          <a:p>
+            <a:pPr algn="ctr"/>
+            <a:r>
+              <a:rPr lang="en-SG" sz="1600" dirty="0"/>
+              <a:t>Topic-A</a:t>
+            </a:r>
+          </a:p>
+          <a:p>
+            <a:pPr algn="ctr"/>
+            <a:r>
+              <a:rPr lang="en-SG" sz="1600" dirty="0"/>
+              <a:t>Partition 2</a:t>
+            </a:r>
+            <a:endParaRPr lang="en-SG" dirty="0"/>
+          </a:p>
+        </p:txBody>
+      </p:sp>
+      <p:sp>
+        <p:nvSpPr>
+          <p:cNvPr id="28" name="TextBox 27">
+            <a:extLst>
+              <a:ext uri="{FF2B5EF4-FFF2-40B4-BE49-F238E27FC236}">
+                <a16:creationId xmlns:a16="http://schemas.microsoft.com/office/drawing/2014/main" id="{33701099-3A18-48A8-AB76-E19340F3A13B}"/>
+              </a:ext>
+            </a:extLst>
+          </p:cNvPr>
+          <p:cNvSpPr txBox="1"/>
+          <p:nvPr/>
+        </p:nvSpPr>
+        <p:spPr>
+          <a:xfrm>
+            <a:off x="1537855" y="5900008"/>
+            <a:ext cx="8257309" cy="369332"/>
+          </a:xfrm>
+          <a:prstGeom prst="rect">
+            <a:avLst/>
+          </a:prstGeom>
+          <a:noFill/>
+        </p:spPr>
+        <p:txBody>
+          <a:bodyPr wrap="square" rtlCol="0">
+            <a:spAutoFit/>
+          </a:bodyPr>
+          <a:lstStyle/>
+          <a:p>
+            <a:r>
+              <a:rPr lang="en-SG" dirty="0"/>
+              <a:t>Kafka will automatically assign the topic and distribute it across all the brokers.</a:t>
+            </a:r>
+          </a:p>
+        </p:txBody>
+      </p:sp>
+    </p:spTree>
+    <p:extLst>
+      <p:ext uri="{BB962C8B-B14F-4D97-AF65-F5344CB8AC3E}">
+        <p14:creationId xmlns:p14="http://schemas.microsoft.com/office/powerpoint/2010/main" val="1662289533"/>
+      </p:ext>
+    </p:extLst>
+  </p:cSld>
+  <p:clrMapOvr>
+    <a:masterClrMapping/>
+  </p:clrMapOvr>
+</p:sld>
+</file>
+
+<file path=ppt/slides/slide7.xml><?xml version="1.0" encoding="utf-8"?>
+<p:sld xmlns:a="http://schemas.openxmlformats.org/drawingml/2006/main" xmlns:r="http://schemas.openxmlformats.org/officeDocument/2006/relationships" xmlns:p="http://schemas.openxmlformats.org/presentationml/2006/main">
+  <p:cSld>
+    <p:spTree>
+      <p:nvGrpSpPr>
+        <p:cNvPr id="1" name=""/>
+        <p:cNvGrpSpPr/>
+        <p:nvPr/>
+      </p:nvGrpSpPr>
+      <p:grpSpPr>
+        <a:xfrm>
+          <a:off x="0" y="0"/>
+          <a:ext cx="0" cy="0"/>
+          <a:chOff x="0" y="0"/>
+          <a:chExt cx="0" cy="0"/>
+        </a:xfrm>
+      </p:grpSpPr>
+      <p:sp>
+        <p:nvSpPr>
+          <p:cNvPr id="2" name="Title 1">
+            <a:extLst>
+              <a:ext uri="{FF2B5EF4-FFF2-40B4-BE49-F238E27FC236}">
+                <a16:creationId xmlns:a16="http://schemas.microsoft.com/office/drawing/2014/main" id="{28542BBB-4A0C-41C6-B224-C06935035845}"/>
+              </a:ext>
+            </a:extLst>
+          </p:cNvPr>
+          <p:cNvSpPr>
+            <a:spLocks noGrp="1"/>
+          </p:cNvSpPr>
+          <p:nvPr>
+            <p:ph type="title"/>
+          </p:nvPr>
+        </p:nvSpPr>
+        <p:spPr/>
+        <p:txBody>
+          <a:bodyPr/>
+          <a:lstStyle/>
+          <a:p>
+            <a:r>
+              <a:rPr lang="en-SG" dirty="0"/>
+              <a:t>Topic Replication </a:t>
+            </a:r>
+          </a:p>
+        </p:txBody>
+      </p:sp>
+      <p:sp>
+        <p:nvSpPr>
+          <p:cNvPr id="3" name="Content Placeholder 2">
+            <a:extLst>
+              <a:ext uri="{FF2B5EF4-FFF2-40B4-BE49-F238E27FC236}">
+                <a16:creationId xmlns:a16="http://schemas.microsoft.com/office/drawing/2014/main" id="{B1BA4177-3FD0-4580-A13B-7FF5282D8A90}"/>
+              </a:ext>
+            </a:extLst>
+          </p:cNvPr>
+          <p:cNvSpPr>
+            <a:spLocks noGrp="1"/>
+          </p:cNvSpPr>
+          <p:nvPr>
+            <p:ph idx="1"/>
+          </p:nvPr>
+        </p:nvSpPr>
+        <p:spPr>
+          <a:xfrm>
+            <a:off x="1097280" y="1845734"/>
+            <a:ext cx="10058400" cy="653626"/>
+          </a:xfrm>
+        </p:spPr>
+        <p:txBody>
+          <a:bodyPr>
+            <a:normAutofit/>
+          </a:bodyPr>
+          <a:lstStyle/>
+          <a:p>
+            <a:r>
+              <a:rPr lang="en-SG" dirty="0"/>
+              <a:t>Partition 0 Topic-A replicates from Broker 101 to Broker 102 and Partition 1 Topic-A from Broker 102 to Broker 103.</a:t>
+            </a:r>
+          </a:p>
+        </p:txBody>
+      </p:sp>
+      <p:sp>
+        <p:nvSpPr>
+          <p:cNvPr id="4" name="Rectangle 3">
+            <a:extLst>
+              <a:ext uri="{FF2B5EF4-FFF2-40B4-BE49-F238E27FC236}">
+                <a16:creationId xmlns:a16="http://schemas.microsoft.com/office/drawing/2014/main" id="{C106E293-0D5B-4778-BAD5-04B482160F87}"/>
+              </a:ext>
+            </a:extLst>
+          </p:cNvPr>
+          <p:cNvSpPr/>
+          <p:nvPr/>
+        </p:nvSpPr>
+        <p:spPr>
+          <a:xfrm>
+            <a:off x="1537855" y="2923309"/>
+            <a:ext cx="1925781" cy="2701636"/>
+          </a:xfrm>
+          <a:prstGeom prst="rect">
+            <a:avLst/>
+          </a:prstGeom>
+        </p:spPr>
+        <p:style>
+          <a:lnRef idx="2">
+            <a:schemeClr val="accent1">
+              <a:shade val="50000"/>
+            </a:schemeClr>
+          </a:lnRef>
+          <a:fillRef idx="1">
+            <a:schemeClr val="accent1"/>
+          </a:fillRef>
+          <a:effectRef idx="0">
+            <a:schemeClr val="accent1"/>
+          </a:effectRef>
+          <a:fontRef idx="minor">
+            <a:schemeClr val="lt1"/>
+          </a:fontRef>
+        </p:style>
+        <p:txBody>
+          <a:bodyPr rtlCol="0" anchor="ctr"/>
+          <a:lstStyle/>
+          <a:p>
+            <a:pPr algn="ctr"/>
+            <a:endParaRPr lang="en-SG"/>
+          </a:p>
+        </p:txBody>
+      </p:sp>
+      <p:sp>
+        <p:nvSpPr>
+          <p:cNvPr id="5" name="TextBox 4">
+            <a:extLst>
+              <a:ext uri="{FF2B5EF4-FFF2-40B4-BE49-F238E27FC236}">
+                <a16:creationId xmlns:a16="http://schemas.microsoft.com/office/drawing/2014/main" id="{11A7DA52-E390-4382-9571-748AFA05F581}"/>
+              </a:ext>
+            </a:extLst>
+          </p:cNvPr>
+          <p:cNvSpPr txBox="1"/>
+          <p:nvPr/>
+        </p:nvSpPr>
+        <p:spPr>
+          <a:xfrm>
+            <a:off x="1759527" y="2923309"/>
+            <a:ext cx="1537855" cy="369332"/>
+          </a:xfrm>
+          <a:prstGeom prst="rect">
+            <a:avLst/>
+          </a:prstGeom>
+          <a:noFill/>
+        </p:spPr>
+        <p:txBody>
+          <a:bodyPr wrap="square" rtlCol="0">
+            <a:spAutoFit/>
+          </a:bodyPr>
+          <a:lstStyle/>
+          <a:p>
+            <a:pPr algn="ctr"/>
+            <a:r>
+              <a:rPr lang="en-SG" dirty="0"/>
+              <a:t>Broker 101</a:t>
+            </a:r>
+          </a:p>
+        </p:txBody>
+      </p:sp>
+      <p:sp>
+        <p:nvSpPr>
+          <p:cNvPr id="6" name="Rectangle: Rounded Corners 5">
+            <a:extLst>
+              <a:ext uri="{FF2B5EF4-FFF2-40B4-BE49-F238E27FC236}">
+                <a16:creationId xmlns:a16="http://schemas.microsoft.com/office/drawing/2014/main" id="{7A5375B3-C1B4-441E-897D-4342901B49E3}"/>
+              </a:ext>
+            </a:extLst>
+          </p:cNvPr>
+          <p:cNvSpPr/>
+          <p:nvPr/>
+        </p:nvSpPr>
+        <p:spPr>
+          <a:xfrm>
+            <a:off x="1759527" y="3292641"/>
+            <a:ext cx="1537855" cy="711323"/>
+          </a:xfrm>
+          <a:prstGeom prst="roundRect">
+            <a:avLst/>
+          </a:prstGeom>
+          <a:solidFill>
+            <a:schemeClr val="accent1">
+              <a:lumMod val="40000"/>
+              <a:lumOff val="60000"/>
+            </a:schemeClr>
+          </a:solidFill>
+        </p:spPr>
+        <p:style>
+          <a:lnRef idx="2">
+            <a:schemeClr val="accent1">
+              <a:shade val="50000"/>
+            </a:schemeClr>
+          </a:lnRef>
+          <a:fillRef idx="1">
+            <a:schemeClr val="accent1"/>
+          </a:fillRef>
+          <a:effectRef idx="0">
+            <a:schemeClr val="accent1"/>
+          </a:effectRef>
+          <a:fontRef idx="minor">
+            <a:schemeClr val="lt1"/>
+          </a:fontRef>
+        </p:style>
+        <p:txBody>
+          <a:bodyPr rtlCol="0" anchor="ctr"/>
+          <a:lstStyle/>
+          <a:p>
+            <a:pPr algn="ctr"/>
+            <a:endParaRPr lang="en-SG"/>
+          </a:p>
+        </p:txBody>
+      </p:sp>
+      <p:sp>
+        <p:nvSpPr>
+          <p:cNvPr id="7" name="TextBox 6">
+            <a:extLst>
+              <a:ext uri="{FF2B5EF4-FFF2-40B4-BE49-F238E27FC236}">
+                <a16:creationId xmlns:a16="http://schemas.microsoft.com/office/drawing/2014/main" id="{181F3791-FC64-4837-AE8E-AEAB3CDE7DDF}"/>
+              </a:ext>
+            </a:extLst>
+          </p:cNvPr>
+          <p:cNvSpPr txBox="1"/>
+          <p:nvPr/>
+        </p:nvSpPr>
+        <p:spPr>
+          <a:xfrm>
+            <a:off x="1759527" y="3429000"/>
+            <a:ext cx="1537855" cy="584775"/>
+          </a:xfrm>
+          <a:prstGeom prst="rect">
+            <a:avLst/>
+          </a:prstGeom>
+          <a:noFill/>
+        </p:spPr>
+        <p:txBody>
+          <a:bodyPr wrap="square" rtlCol="0">
+            <a:spAutoFit/>
+          </a:bodyPr>
+          <a:lstStyle/>
+          <a:p>
+            <a:pPr algn="ctr"/>
+            <a:r>
+              <a:rPr lang="en-SG" sz="1600" dirty="0"/>
+              <a:t>Topic-A</a:t>
+            </a:r>
+          </a:p>
+          <a:p>
+            <a:pPr algn="ctr"/>
+            <a:r>
+              <a:rPr lang="en-SG" sz="1600" dirty="0"/>
+              <a:t>Partition 0</a:t>
+            </a:r>
+            <a:endParaRPr lang="en-SG" dirty="0"/>
+          </a:p>
+        </p:txBody>
+      </p:sp>
+      <p:sp>
+        <p:nvSpPr>
+          <p:cNvPr id="10" name="Rectangle 9">
+            <a:extLst>
+              <a:ext uri="{FF2B5EF4-FFF2-40B4-BE49-F238E27FC236}">
+                <a16:creationId xmlns:a16="http://schemas.microsoft.com/office/drawing/2014/main" id="{68BFD085-7FD5-486B-8118-C3F531B20A51}"/>
+              </a:ext>
+            </a:extLst>
+          </p:cNvPr>
+          <p:cNvSpPr/>
+          <p:nvPr/>
+        </p:nvSpPr>
+        <p:spPr>
+          <a:xfrm>
+            <a:off x="4502731" y="2923304"/>
+            <a:ext cx="1925781" cy="2701636"/>
+          </a:xfrm>
+          <a:prstGeom prst="rect">
+            <a:avLst/>
+          </a:prstGeom>
+        </p:spPr>
+        <p:style>
+          <a:lnRef idx="2">
+            <a:schemeClr val="accent1">
+              <a:shade val="50000"/>
+            </a:schemeClr>
+          </a:lnRef>
+          <a:fillRef idx="1">
+            <a:schemeClr val="accent1"/>
+          </a:fillRef>
+          <a:effectRef idx="0">
+            <a:schemeClr val="accent1"/>
+          </a:effectRef>
+          <a:fontRef idx="minor">
+            <a:schemeClr val="lt1"/>
+          </a:fontRef>
+        </p:style>
+        <p:txBody>
+          <a:bodyPr rtlCol="0" anchor="ctr"/>
+          <a:lstStyle/>
+          <a:p>
+            <a:pPr algn="ctr"/>
+            <a:endParaRPr lang="en-SG"/>
+          </a:p>
+        </p:txBody>
+      </p:sp>
+      <p:sp>
+        <p:nvSpPr>
+          <p:cNvPr id="11" name="TextBox 10">
+            <a:extLst>
+              <a:ext uri="{FF2B5EF4-FFF2-40B4-BE49-F238E27FC236}">
+                <a16:creationId xmlns:a16="http://schemas.microsoft.com/office/drawing/2014/main" id="{D1E311F4-E4CD-495A-AA36-EBBBA41F01AF}"/>
+              </a:ext>
+            </a:extLst>
+          </p:cNvPr>
+          <p:cNvSpPr txBox="1"/>
+          <p:nvPr/>
+        </p:nvSpPr>
+        <p:spPr>
+          <a:xfrm>
+            <a:off x="4724403" y="2923304"/>
+            <a:ext cx="1537855" cy="369332"/>
+          </a:xfrm>
+          <a:prstGeom prst="rect">
+            <a:avLst/>
+          </a:prstGeom>
+          <a:noFill/>
+        </p:spPr>
+        <p:txBody>
+          <a:bodyPr wrap="square" rtlCol="0">
+            <a:spAutoFit/>
+          </a:bodyPr>
+          <a:lstStyle/>
+          <a:p>
+            <a:pPr algn="ctr"/>
+            <a:r>
+              <a:rPr lang="en-SG" dirty="0"/>
+              <a:t>Broker 102</a:t>
+            </a:r>
+          </a:p>
+        </p:txBody>
+      </p:sp>
+      <p:sp>
+        <p:nvSpPr>
+          <p:cNvPr id="12" name="Rectangle: Rounded Corners 11">
+            <a:extLst>
+              <a:ext uri="{FF2B5EF4-FFF2-40B4-BE49-F238E27FC236}">
+                <a16:creationId xmlns:a16="http://schemas.microsoft.com/office/drawing/2014/main" id="{A126959A-04F9-44C9-96B3-5E36213B18F7}"/>
+              </a:ext>
+            </a:extLst>
+          </p:cNvPr>
+          <p:cNvSpPr/>
+          <p:nvPr/>
+        </p:nvSpPr>
+        <p:spPr>
+          <a:xfrm>
+            <a:off x="4724403" y="3361911"/>
+            <a:ext cx="1537855" cy="711323"/>
+          </a:xfrm>
+          <a:prstGeom prst="roundRect">
+            <a:avLst/>
+          </a:prstGeom>
+          <a:solidFill>
+            <a:schemeClr val="accent6">
+              <a:lumMod val="40000"/>
+              <a:lumOff val="60000"/>
+            </a:schemeClr>
+          </a:solidFill>
+        </p:spPr>
+        <p:style>
+          <a:lnRef idx="2">
+            <a:schemeClr val="accent1">
+              <a:shade val="50000"/>
+            </a:schemeClr>
+          </a:lnRef>
+          <a:fillRef idx="1">
+            <a:schemeClr val="accent1"/>
+          </a:fillRef>
+          <a:effectRef idx="0">
+            <a:schemeClr val="accent1"/>
+          </a:effectRef>
+          <a:fontRef idx="minor">
+            <a:schemeClr val="lt1"/>
+          </a:fontRef>
+        </p:style>
+        <p:txBody>
+          <a:bodyPr rtlCol="0" anchor="ctr"/>
+          <a:lstStyle/>
+          <a:p>
+            <a:pPr algn="ctr"/>
+            <a:endParaRPr lang="en-SG"/>
+          </a:p>
+        </p:txBody>
+      </p:sp>
+      <p:sp>
+        <p:nvSpPr>
+          <p:cNvPr id="13" name="TextBox 12">
+            <a:extLst>
+              <a:ext uri="{FF2B5EF4-FFF2-40B4-BE49-F238E27FC236}">
+                <a16:creationId xmlns:a16="http://schemas.microsoft.com/office/drawing/2014/main" id="{7C12DF14-07F3-44A7-8060-4664655BB922}"/>
+              </a:ext>
+            </a:extLst>
+          </p:cNvPr>
+          <p:cNvSpPr txBox="1"/>
+          <p:nvPr/>
+        </p:nvSpPr>
+        <p:spPr>
+          <a:xfrm>
+            <a:off x="4724403" y="3428995"/>
+            <a:ext cx="1537855" cy="584775"/>
+          </a:xfrm>
+          <a:prstGeom prst="rect">
+            <a:avLst/>
+          </a:prstGeom>
+          <a:noFill/>
+        </p:spPr>
+        <p:txBody>
+          <a:bodyPr wrap="square" rtlCol="0">
+            <a:spAutoFit/>
+          </a:bodyPr>
+          <a:lstStyle/>
+          <a:p>
+            <a:pPr algn="ctr"/>
+            <a:r>
+              <a:rPr lang="en-SG" sz="1600" dirty="0"/>
+              <a:t>Topic-A</a:t>
+            </a:r>
+          </a:p>
+          <a:p>
+            <a:pPr algn="ctr"/>
+            <a:r>
+              <a:rPr lang="en-SG" sz="1600" dirty="0"/>
+              <a:t>Partition 1</a:t>
+            </a:r>
+            <a:endParaRPr lang="en-SG" dirty="0"/>
+          </a:p>
+        </p:txBody>
+      </p:sp>
+      <p:sp>
+        <p:nvSpPr>
+          <p:cNvPr id="14" name="Rectangle: Rounded Corners 13">
+            <a:extLst>
+              <a:ext uri="{FF2B5EF4-FFF2-40B4-BE49-F238E27FC236}">
+                <a16:creationId xmlns:a16="http://schemas.microsoft.com/office/drawing/2014/main" id="{BFD16812-1C9D-4487-8949-05677CD379FF}"/>
+              </a:ext>
+            </a:extLst>
+          </p:cNvPr>
+          <p:cNvSpPr/>
+          <p:nvPr/>
+        </p:nvSpPr>
+        <p:spPr>
+          <a:xfrm>
+            <a:off x="4724402" y="4463693"/>
+            <a:ext cx="1537855" cy="711323"/>
+          </a:xfrm>
+          <a:prstGeom prst="roundRect">
+            <a:avLst/>
+          </a:prstGeom>
+          <a:solidFill>
+            <a:schemeClr val="accent1">
+              <a:lumMod val="40000"/>
+              <a:lumOff val="60000"/>
+            </a:schemeClr>
+          </a:solidFill>
+        </p:spPr>
+        <p:style>
+          <a:lnRef idx="2">
+            <a:schemeClr val="accent1">
+              <a:shade val="50000"/>
+            </a:schemeClr>
+          </a:lnRef>
+          <a:fillRef idx="1">
+            <a:schemeClr val="accent1"/>
+          </a:fillRef>
+          <a:effectRef idx="0">
+            <a:schemeClr val="accent1"/>
+          </a:effectRef>
+          <a:fontRef idx="minor">
+            <a:schemeClr val="lt1"/>
+          </a:fontRef>
+        </p:style>
+        <p:txBody>
+          <a:bodyPr rtlCol="0" anchor="ctr"/>
+          <a:lstStyle/>
+          <a:p>
+            <a:pPr algn="ctr"/>
+            <a:endParaRPr lang="en-SG"/>
+          </a:p>
+        </p:txBody>
+      </p:sp>
+      <p:sp>
+        <p:nvSpPr>
+          <p:cNvPr id="15" name="TextBox 14">
+            <a:extLst>
+              <a:ext uri="{FF2B5EF4-FFF2-40B4-BE49-F238E27FC236}">
+                <a16:creationId xmlns:a16="http://schemas.microsoft.com/office/drawing/2014/main" id="{9ECCC792-3FF0-4006-BF85-BEE1707303DA}"/>
+              </a:ext>
+            </a:extLst>
+          </p:cNvPr>
+          <p:cNvSpPr txBox="1"/>
+          <p:nvPr/>
+        </p:nvSpPr>
+        <p:spPr>
+          <a:xfrm>
+            <a:off x="4724402" y="4616539"/>
+            <a:ext cx="1537855" cy="584775"/>
+          </a:xfrm>
+          <a:prstGeom prst="rect">
+            <a:avLst/>
+          </a:prstGeom>
+          <a:noFill/>
+        </p:spPr>
+        <p:txBody>
+          <a:bodyPr wrap="square" rtlCol="0">
+            <a:spAutoFit/>
+          </a:bodyPr>
+          <a:lstStyle/>
+          <a:p>
+            <a:pPr algn="ctr"/>
+            <a:r>
+              <a:rPr lang="en-SG" sz="1600" dirty="0"/>
+              <a:t>Topic-B</a:t>
+            </a:r>
+          </a:p>
+          <a:p>
+            <a:pPr algn="ctr"/>
+            <a:r>
+              <a:rPr lang="en-SG" sz="1600" dirty="0"/>
+              <a:t>Partition 0</a:t>
+            </a:r>
+            <a:endParaRPr lang="en-SG" dirty="0"/>
+          </a:p>
+        </p:txBody>
+      </p:sp>
+      <p:sp>
+        <p:nvSpPr>
+          <p:cNvPr id="16" name="Rectangle 15">
+            <a:extLst>
+              <a:ext uri="{FF2B5EF4-FFF2-40B4-BE49-F238E27FC236}">
+                <a16:creationId xmlns:a16="http://schemas.microsoft.com/office/drawing/2014/main" id="{10763A36-2077-4373-9ADC-F2D5C4412E8F}"/>
+              </a:ext>
+            </a:extLst>
+          </p:cNvPr>
+          <p:cNvSpPr/>
+          <p:nvPr/>
+        </p:nvSpPr>
+        <p:spPr>
+          <a:xfrm>
+            <a:off x="7523024" y="2923304"/>
+            <a:ext cx="1925781" cy="2701636"/>
+          </a:xfrm>
+          <a:prstGeom prst="rect">
+            <a:avLst/>
+          </a:prstGeom>
+        </p:spPr>
+        <p:style>
+          <a:lnRef idx="2">
+            <a:schemeClr val="accent1">
+              <a:shade val="50000"/>
+            </a:schemeClr>
+          </a:lnRef>
+          <a:fillRef idx="1">
+            <a:schemeClr val="accent1"/>
+          </a:fillRef>
+          <a:effectRef idx="0">
+            <a:schemeClr val="accent1"/>
+          </a:effectRef>
+          <a:fontRef idx="minor">
+            <a:schemeClr val="lt1"/>
+          </a:fontRef>
+        </p:style>
+        <p:txBody>
+          <a:bodyPr rtlCol="0" anchor="ctr"/>
+          <a:lstStyle/>
+          <a:p>
+            <a:pPr algn="ctr"/>
+            <a:endParaRPr lang="en-SG"/>
+          </a:p>
+        </p:txBody>
+      </p:sp>
+      <p:sp>
+        <p:nvSpPr>
+          <p:cNvPr id="17" name="TextBox 16">
+            <a:extLst>
+              <a:ext uri="{FF2B5EF4-FFF2-40B4-BE49-F238E27FC236}">
+                <a16:creationId xmlns:a16="http://schemas.microsoft.com/office/drawing/2014/main" id="{F172944A-3D76-470A-94CF-67BC70487604}"/>
+              </a:ext>
+            </a:extLst>
+          </p:cNvPr>
+          <p:cNvSpPr txBox="1"/>
+          <p:nvPr/>
+        </p:nvSpPr>
+        <p:spPr>
+          <a:xfrm>
+            <a:off x="7744696" y="2923304"/>
+            <a:ext cx="1537855" cy="369332"/>
+          </a:xfrm>
+          <a:prstGeom prst="rect">
+            <a:avLst/>
+          </a:prstGeom>
+          <a:noFill/>
+        </p:spPr>
+        <p:txBody>
+          <a:bodyPr wrap="square" rtlCol="0">
+            <a:spAutoFit/>
+          </a:bodyPr>
+          <a:lstStyle/>
+          <a:p>
+            <a:pPr algn="ctr"/>
+            <a:r>
+              <a:rPr lang="en-SG" dirty="0"/>
+              <a:t>Broker 103</a:t>
+            </a:r>
+          </a:p>
+        </p:txBody>
+      </p:sp>
+      <p:sp>
+        <p:nvSpPr>
+          <p:cNvPr id="18" name="Rectangle: Rounded Corners 17">
+            <a:extLst>
+              <a:ext uri="{FF2B5EF4-FFF2-40B4-BE49-F238E27FC236}">
+                <a16:creationId xmlns:a16="http://schemas.microsoft.com/office/drawing/2014/main" id="{AC8459AC-A1C5-417A-B117-D2445EF12438}"/>
+              </a:ext>
+            </a:extLst>
+          </p:cNvPr>
+          <p:cNvSpPr/>
+          <p:nvPr/>
+        </p:nvSpPr>
+        <p:spPr>
+          <a:xfrm>
+            <a:off x="7744696" y="3334201"/>
+            <a:ext cx="1537855" cy="711323"/>
+          </a:xfrm>
+          <a:prstGeom prst="roundRect">
+            <a:avLst/>
+          </a:prstGeom>
+          <a:solidFill>
+            <a:schemeClr val="accent6">
+              <a:lumMod val="40000"/>
+              <a:lumOff val="60000"/>
+            </a:schemeClr>
+          </a:solidFill>
+        </p:spPr>
+        <p:style>
+          <a:lnRef idx="2">
+            <a:schemeClr val="accent1">
+              <a:shade val="50000"/>
+            </a:schemeClr>
+          </a:lnRef>
+          <a:fillRef idx="1">
+            <a:schemeClr val="accent1"/>
+          </a:fillRef>
+          <a:effectRef idx="0">
+            <a:schemeClr val="accent1"/>
+          </a:effectRef>
+          <a:fontRef idx="minor">
+            <a:schemeClr val="lt1"/>
+          </a:fontRef>
+        </p:style>
+        <p:txBody>
+          <a:bodyPr rtlCol="0" anchor="ctr"/>
+          <a:lstStyle/>
+          <a:p>
+            <a:pPr algn="ctr"/>
+            <a:endParaRPr lang="en-SG"/>
+          </a:p>
+        </p:txBody>
+      </p:sp>
+      <p:sp>
+        <p:nvSpPr>
+          <p:cNvPr id="19" name="TextBox 18">
+            <a:extLst>
+              <a:ext uri="{FF2B5EF4-FFF2-40B4-BE49-F238E27FC236}">
+                <a16:creationId xmlns:a16="http://schemas.microsoft.com/office/drawing/2014/main" id="{1F0A6DC6-A090-4919-AF43-875ED16D1632}"/>
+              </a:ext>
+            </a:extLst>
+          </p:cNvPr>
+          <p:cNvSpPr txBox="1"/>
+          <p:nvPr/>
+        </p:nvSpPr>
+        <p:spPr>
+          <a:xfrm>
+            <a:off x="7744696" y="3428995"/>
+            <a:ext cx="1537855" cy="584775"/>
+          </a:xfrm>
+          <a:prstGeom prst="rect">
+            <a:avLst/>
+          </a:prstGeom>
+          <a:noFill/>
+        </p:spPr>
+        <p:txBody>
+          <a:bodyPr wrap="square" rtlCol="0">
+            <a:spAutoFit/>
+          </a:bodyPr>
+          <a:lstStyle/>
+          <a:p>
+            <a:pPr algn="ctr"/>
+            <a:r>
+              <a:rPr lang="en-SG" sz="1600" dirty="0"/>
+              <a:t>Topic-A</a:t>
+            </a:r>
+          </a:p>
+          <a:p>
+            <a:pPr algn="ctr"/>
+            <a:r>
+              <a:rPr lang="en-SG" sz="1600" dirty="0"/>
+              <a:t>Partition 1</a:t>
+            </a:r>
+            <a:endParaRPr lang="en-SG" dirty="0"/>
+          </a:p>
+        </p:txBody>
+      </p:sp>
+      <p:cxnSp>
+        <p:nvCxnSpPr>
+          <p:cNvPr id="21" name="Straight Arrow Connector 20">
+            <a:extLst>
+              <a:ext uri="{FF2B5EF4-FFF2-40B4-BE49-F238E27FC236}">
+                <a16:creationId xmlns:a16="http://schemas.microsoft.com/office/drawing/2014/main" id="{1AE44F35-64B1-45F8-9202-8D8821CA804C}"/>
+              </a:ext>
+            </a:extLst>
+          </p:cNvPr>
+          <p:cNvCxnSpPr>
+            <a:endCxn id="15" idx="1"/>
+          </p:cNvCxnSpPr>
+          <p:nvPr/>
+        </p:nvCxnSpPr>
+        <p:spPr>
+          <a:xfrm>
+            <a:off x="3297382" y="3685309"/>
+            <a:ext cx="1427020" cy="1223618"/>
+          </a:xfrm>
+          <a:prstGeom prst="straightConnector1">
+            <a:avLst/>
+          </a:prstGeom>
+          <a:ln>
+            <a:headEnd type="triangle"/>
+            <a:tailEnd type="triangle"/>
+          </a:ln>
+        </p:spPr>
+        <p:style>
+          <a:lnRef idx="1">
+            <a:schemeClr val="dk1"/>
+          </a:lnRef>
+          <a:fillRef idx="0">
+            <a:schemeClr val="dk1"/>
+          </a:fillRef>
+          <a:effectRef idx="0">
+            <a:schemeClr val="dk1"/>
+          </a:effectRef>
+          <a:fontRef idx="minor">
+            <a:schemeClr val="tx1"/>
+          </a:fontRef>
+        </p:style>
+      </p:cxnSp>
+      <p:cxnSp>
+        <p:nvCxnSpPr>
+          <p:cNvPr id="23" name="Straight Arrow Connector 22">
+            <a:extLst>
+              <a:ext uri="{FF2B5EF4-FFF2-40B4-BE49-F238E27FC236}">
+                <a16:creationId xmlns:a16="http://schemas.microsoft.com/office/drawing/2014/main" id="{F18B6C54-A960-479A-BA79-31310ABC7A1E}"/>
+              </a:ext>
+            </a:extLst>
+          </p:cNvPr>
+          <p:cNvCxnSpPr>
+            <a:cxnSpLocks/>
+            <a:stCxn id="12" idx="3"/>
+            <a:endCxn id="19" idx="1"/>
+          </p:cNvCxnSpPr>
+          <p:nvPr/>
+        </p:nvCxnSpPr>
+        <p:spPr>
+          <a:xfrm>
+            <a:off x="6262258" y="3717573"/>
+            <a:ext cx="1482438" cy="3810"/>
+          </a:xfrm>
+          <a:prstGeom prst="straightConnector1">
+            <a:avLst/>
+          </a:prstGeom>
+          <a:ln>
+            <a:headEnd type="triangle"/>
+            <a:tailEnd type="triangle"/>
+          </a:ln>
+        </p:spPr>
+        <p:style>
+          <a:lnRef idx="1">
+            <a:schemeClr val="dk1"/>
+          </a:lnRef>
+          <a:fillRef idx="0">
+            <a:schemeClr val="dk1"/>
+          </a:fillRef>
+          <a:effectRef idx="0">
+            <a:schemeClr val="dk1"/>
+          </a:effectRef>
+          <a:fontRef idx="minor">
+            <a:schemeClr val="tx1"/>
+          </a:fontRef>
+        </p:style>
+      </p:cxnSp>
+    </p:spTree>
+    <p:extLst>
+      <p:ext uri="{BB962C8B-B14F-4D97-AF65-F5344CB8AC3E}">
+        <p14:creationId xmlns:p14="http://schemas.microsoft.com/office/powerpoint/2010/main" val="2038805639"/>
       </p:ext>
     </p:extLst>
   </p:cSld>

--- a/System Design/kafka_system.pptx
+++ b/System Design/kafka_system.pptx
@@ -5757,6 +5757,91 @@
           </a:p>
         </p:txBody>
       </p:sp>
+      <p:cxnSp>
+        <p:nvCxnSpPr>
+          <p:cNvPr id="13" name="Straight Arrow Connector 12">
+            <a:extLst>
+              <a:ext uri="{FF2B5EF4-FFF2-40B4-BE49-F238E27FC236}">
+                <a16:creationId xmlns:a16="http://schemas.microsoft.com/office/drawing/2014/main" id="{7399A070-1AAB-4BFF-BA6E-984F0F8CAF56}"/>
+              </a:ext>
+            </a:extLst>
+          </p:cNvPr>
+          <p:cNvCxnSpPr>
+            <a:stCxn id="9" idx="3"/>
+          </p:cNvCxnSpPr>
+          <p:nvPr/>
+        </p:nvCxnSpPr>
+        <p:spPr>
+          <a:xfrm flipV="1">
+            <a:off x="10665108" y="2905773"/>
+            <a:ext cx="366205" cy="726731"/>
+          </a:xfrm>
+          <a:prstGeom prst="straightConnector1">
+            <a:avLst/>
+          </a:prstGeom>
+          <a:ln>
+            <a:headEnd type="triangle"/>
+            <a:tailEnd type="triangle"/>
+          </a:ln>
+        </p:spPr>
+        <p:style>
+          <a:lnRef idx="1">
+            <a:schemeClr val="accent1"/>
+          </a:lnRef>
+          <a:fillRef idx="0">
+            <a:schemeClr val="accent1"/>
+          </a:fillRef>
+          <a:effectRef idx="0">
+            <a:schemeClr val="accent1"/>
+          </a:effectRef>
+          <a:fontRef idx="minor">
+            <a:schemeClr val="tx1"/>
+          </a:fontRef>
+        </p:style>
+      </p:cxnSp>
+      <p:cxnSp>
+        <p:nvCxnSpPr>
+          <p:cNvPr id="15" name="Straight Arrow Connector 14">
+            <a:extLst>
+              <a:ext uri="{FF2B5EF4-FFF2-40B4-BE49-F238E27FC236}">
+                <a16:creationId xmlns:a16="http://schemas.microsoft.com/office/drawing/2014/main" id="{90CD7CFB-FD57-4666-B1AE-7E144FF363D0}"/>
+              </a:ext>
+            </a:extLst>
+          </p:cNvPr>
+          <p:cNvCxnSpPr>
+            <a:stCxn id="9" idx="3"/>
+            <a:endCxn id="70" idx="1"/>
+          </p:cNvCxnSpPr>
+          <p:nvPr/>
+        </p:nvCxnSpPr>
+        <p:spPr>
+          <a:xfrm>
+            <a:off x="10665108" y="3632504"/>
+            <a:ext cx="366205" cy="580949"/>
+          </a:xfrm>
+          <a:prstGeom prst="straightConnector1">
+            <a:avLst/>
+          </a:prstGeom>
+          <a:ln>
+            <a:headEnd type="triangle"/>
+            <a:tailEnd type="triangle"/>
+          </a:ln>
+        </p:spPr>
+        <p:style>
+          <a:lnRef idx="1">
+            <a:schemeClr val="accent1"/>
+          </a:lnRef>
+          <a:fillRef idx="0">
+            <a:schemeClr val="accent1"/>
+          </a:fillRef>
+          <a:effectRef idx="0">
+            <a:schemeClr val="accent1"/>
+          </a:effectRef>
+          <a:fontRef idx="minor">
+            <a:schemeClr val="tx1"/>
+          </a:fontRef>
+        </p:style>
+      </p:cxnSp>
     </p:spTree>
     <p:extLst>
       <p:ext uri="{BB962C8B-B14F-4D97-AF65-F5344CB8AC3E}">
